--- a/infectious.pptx
+++ b/infectious.pptx
@@ -5323,10 +5323,10 @@
             </a:lvl9pPr>
           </a:lstStyle>
           <a:p>
-            <a:r>
-              <a:rPr lang="en-US" dirty="0"/>
-              <a:t>States to move to or avoid based on MF</a:t>
-            </a:r>
+            <a:pPr marL="0" indent="0">
+              <a:buNone/>
+            </a:pPr>
+            <a:endParaRPr lang="en-US" dirty="0"/>
           </a:p>
         </p:txBody>
       </p:sp>

--- a/infectious.pptx
+++ b/infectious.pptx
@@ -14,10 +14,10 @@
     <p:sldId id="256" r:id="rId2"/>
     <p:sldId id="257" r:id="rId3"/>
     <p:sldId id="262" r:id="rId4"/>
-    <p:sldId id="258" r:id="rId5"/>
-    <p:sldId id="260" r:id="rId6"/>
-    <p:sldId id="259" r:id="rId7"/>
-    <p:sldId id="267" r:id="rId8"/>
+    <p:sldId id="260" r:id="rId5"/>
+    <p:sldId id="259" r:id="rId6"/>
+    <p:sldId id="267" r:id="rId7"/>
+    <p:sldId id="258" r:id="rId8"/>
     <p:sldId id="263" r:id="rId9"/>
     <p:sldId id="268" r:id="rId10"/>
   </p:sldIdLst>
@@ -222,7 +222,7 @@
           <a:p>
             <a:fld id="{043B725B-653D-4166-A8E9-72A38A1847CF}" type="datetimeFigureOut">
               <a:rPr lang="en-US"/>
-              <a:t>3/11/20</a:t>
+              <a:t>3/12/20</a:t>
             </a:fld>
             <a:endParaRPr/>
           </a:p>
@@ -387,7 +387,7 @@
           <a:p>
             <a:fld id="{783F64CD-0576-4A9A-BD06-7889D6E60BDC}" type="datetimeFigureOut">
               <a:rPr lang="en-US"/>
-              <a:t>3/11/20</a:t>
+              <a:t>3/12/20</a:t>
             </a:fld>
             <a:endParaRPr/>
           </a:p>
@@ -985,7 +985,7 @@
           <a:p>
             <a:fld id="{37CC0096-1860-4642-9CD2-0079EA5E7CD1}" type="datetimeFigureOut">
               <a:rPr lang="en-US"/>
-              <a:t>3/11/20</a:t>
+              <a:t>3/12/20</a:t>
             </a:fld>
             <a:endParaRPr/>
           </a:p>
@@ -1234,7 +1234,7 @@
           <a:p>
             <a:fld id="{37CC0096-1860-4642-9CD2-0079EA5E7CD1}" type="datetimeFigureOut">
               <a:rPr lang="en-US"/>
-              <a:t>3/11/20</a:t>
+              <a:t>3/12/20</a:t>
             </a:fld>
             <a:endParaRPr/>
           </a:p>
@@ -1420,7 +1420,7 @@
           <a:p>
             <a:fld id="{37CC0096-1860-4642-9CD2-0079EA5E7CD1}" type="datetimeFigureOut">
               <a:rPr lang="en-US"/>
-              <a:t>3/11/20</a:t>
+              <a:t>3/12/20</a:t>
             </a:fld>
             <a:endParaRPr/>
           </a:p>
@@ -1951,7 +1951,7 @@
           <a:p>
             <a:fld id="{37CC0096-1860-4642-9CD2-0079EA5E7CD1}" type="datetimeFigureOut">
               <a:rPr lang="en-US"/>
-              <a:t>3/11/20</a:t>
+              <a:t>3/12/20</a:t>
             </a:fld>
             <a:endParaRPr/>
           </a:p>
@@ -2403,7 +2403,7 @@
           <a:p>
             <a:fld id="{37CC0096-1860-4642-9CD2-0079EA5E7CD1}" type="datetimeFigureOut">
               <a:rPr lang="en-US"/>
-              <a:t>3/11/20</a:t>
+              <a:t>3/12/20</a:t>
             </a:fld>
             <a:endParaRPr/>
           </a:p>
@@ -2533,7 +2533,7 @@
           <a:p>
             <a:fld id="{37CC0096-1860-4642-9CD2-0079EA5E7CD1}" type="datetimeFigureOut">
               <a:rPr lang="en-US"/>
-              <a:t>3/11/20</a:t>
+              <a:t>3/12/20</a:t>
             </a:fld>
             <a:endParaRPr/>
           </a:p>
@@ -2640,7 +2640,7 @@
           <a:p>
             <a:fld id="{37CC0096-1860-4642-9CD2-0079EA5E7CD1}" type="datetimeFigureOut">
               <a:rPr lang="en-US"/>
-              <a:t>3/11/20</a:t>
+              <a:t>3/12/20</a:t>
             </a:fld>
             <a:endParaRPr/>
           </a:p>
@@ -3629,7 +3629,7 @@
             <a:fld id="{37CC0096-1860-4642-9CD2-0079EA5E7CD1}" type="datetimeFigureOut">
               <a:rPr lang="en-US" smtClean="0"/>
               <a:pPr/>
-              <a:t>3/11/20</a:t>
+              <a:t>3/12/20</a:t>
             </a:fld>
             <a:endParaRPr lang="en-US" dirty="0"/>
           </a:p>
@@ -4669,116 +4669,6 @@
           <a:bodyPr/>
           <a:lstStyle/>
           <a:p>
-            <a:r>
-              <a:rPr lang="en-US" dirty="0"/>
-              <a:t>Analysis</a:t>
-            </a:r>
-          </a:p>
-        </p:txBody>
-      </p:sp>
-      <p:sp>
-        <p:nvSpPr>
-          <p:cNvPr id="3" name="Content Placeholder 2">
-            <a:extLst>
-              <a:ext uri="{FF2B5EF4-FFF2-40B4-BE49-F238E27FC236}">
-                <a16:creationId xmlns:a16="http://schemas.microsoft.com/office/drawing/2014/main" id="{B13CE81A-D7D0-A446-B930-6AE7322E5D2A}"/>
-              </a:ext>
-            </a:extLst>
-          </p:cNvPr>
-          <p:cNvSpPr>
-            <a:spLocks noGrp="1"/>
-          </p:cNvSpPr>
-          <p:nvPr>
-            <p:ph idx="1"/>
-          </p:nvPr>
-        </p:nvSpPr>
-        <p:spPr/>
-        <p:txBody>
-          <a:bodyPr/>
-          <a:lstStyle/>
-          <a:p>
-            <a:r>
-              <a:rPr lang="en-US" dirty="0"/>
-              <a:t>R-squared = 1 on raw data. </a:t>
-            </a:r>
-          </a:p>
-          <a:p>
-            <a:r>
-              <a:rPr lang="en-US" dirty="0"/>
-              <a:t>Strong multicollinearity indicated by the pair plot.</a:t>
-            </a:r>
-          </a:p>
-          <a:p>
-            <a:r>
-              <a:rPr lang="en-US" dirty="0"/>
-              <a:t>P-values indicate only 3 engineered features for the model</a:t>
-            </a:r>
-          </a:p>
-          <a:p>
-            <a:r>
-              <a:rPr lang="en-US" dirty="0"/>
-              <a:t>Added external economic data with no affect</a:t>
-            </a:r>
-          </a:p>
-        </p:txBody>
-      </p:sp>
-    </p:spTree>
-    <p:extLst>
-      <p:ext uri="{BB962C8B-B14F-4D97-AF65-F5344CB8AC3E}">
-        <p14:creationId xmlns:p14="http://schemas.microsoft.com/office/powerpoint/2010/main" val="1928620899"/>
-      </p:ext>
-    </p:extLst>
-  </p:cSld>
-  <p:clrMapOvr>
-    <a:masterClrMapping/>
-  </p:clrMapOvr>
-  <mc:AlternateContent xmlns:mc="http://schemas.openxmlformats.org/markup-compatibility/2006" xmlns:p14="http://schemas.microsoft.com/office/powerpoint/2010/main">
-    <mc:Choice Requires="p14">
-      <p:transition spd="med" p14:dur="700">
-        <p:fade/>
-      </p:transition>
-    </mc:Choice>
-    <mc:Fallback xmlns="">
-      <p:transition spd="med">
-        <p:fade/>
-      </p:transition>
-    </mc:Fallback>
-  </mc:AlternateContent>
-</p:sld>
-</file>
-
-<file path=ppt/slides/slide5.xml><?xml version="1.0" encoding="utf-8"?>
-<p:sld xmlns:a="http://schemas.openxmlformats.org/drawingml/2006/main" xmlns:r="http://schemas.openxmlformats.org/officeDocument/2006/relationships" xmlns:p="http://schemas.openxmlformats.org/presentationml/2006/main">
-  <p:cSld>
-    <p:spTree>
-      <p:nvGrpSpPr>
-        <p:cNvPr id="1" name=""/>
-        <p:cNvGrpSpPr/>
-        <p:nvPr/>
-      </p:nvGrpSpPr>
-      <p:grpSpPr>
-        <a:xfrm>
-          <a:off x="0" y="0"/>
-          <a:ext cx="0" cy="0"/>
-          <a:chOff x="0" y="0"/>
-          <a:chExt cx="0" cy="0"/>
-        </a:xfrm>
-      </p:grpSpPr>
-      <p:sp>
-        <p:nvSpPr>
-          <p:cNvPr id="2" name="Title 1"/>
-          <p:cNvSpPr>
-            <a:spLocks noGrp="1"/>
-          </p:cNvSpPr>
-          <p:nvPr>
-            <p:ph type="title"/>
-          </p:nvPr>
-        </p:nvSpPr>
-        <p:spPr/>
-        <p:txBody>
-          <a:bodyPr/>
-          <a:lstStyle/>
-          <a:p>
             <a:pPr algn="ctr"/>
             <a:r>
               <a:rPr lang="en-US" dirty="0"/>
@@ -4851,7 +4741,7 @@
 </p:sld>
 </file>
 
-<file path=ppt/slides/slide6.xml><?xml version="1.0" encoding="utf-8"?>
+<file path=ppt/slides/slide5.xml><?xml version="1.0" encoding="utf-8"?>
 <p:sld xmlns:a="http://schemas.openxmlformats.org/drawingml/2006/main" xmlns:r="http://schemas.openxmlformats.org/officeDocument/2006/relationships" xmlns:p="http://schemas.openxmlformats.org/presentationml/2006/main">
   <p:cSld>
     <p:spTree>
@@ -4954,7 +4844,7 @@
 </p:sld>
 </file>
 
-<file path=ppt/slides/slide7.xml><?xml version="1.0" encoding="utf-8"?>
+<file path=ppt/slides/slide6.xml><?xml version="1.0" encoding="utf-8"?>
 <p:sld xmlns:a="http://schemas.openxmlformats.org/drawingml/2006/main" xmlns:r="http://schemas.openxmlformats.org/officeDocument/2006/relationships" xmlns:p="http://schemas.openxmlformats.org/presentationml/2006/main">
   <p:cSld>
     <p:spTree>
@@ -5036,6 +4926,223 @@
     <p:extLst>
       <p:ext uri="{BB962C8B-B14F-4D97-AF65-F5344CB8AC3E}">
         <p14:creationId xmlns:p14="http://schemas.microsoft.com/office/powerpoint/2010/main" val="2714414986"/>
+      </p:ext>
+    </p:extLst>
+  </p:cSld>
+  <p:clrMapOvr>
+    <a:masterClrMapping/>
+  </p:clrMapOvr>
+  <mc:AlternateContent xmlns:mc="http://schemas.openxmlformats.org/markup-compatibility/2006" xmlns:p14="http://schemas.microsoft.com/office/powerpoint/2010/main">
+    <mc:Choice Requires="p14">
+      <p:transition spd="med" p14:dur="700">
+        <p:fade/>
+      </p:transition>
+    </mc:Choice>
+    <mc:Fallback xmlns="">
+      <p:transition spd="med">
+        <p:fade/>
+      </p:transition>
+    </mc:Fallback>
+  </mc:AlternateContent>
+</p:sld>
+</file>
+
+<file path=ppt/slides/slide7.xml><?xml version="1.0" encoding="utf-8"?>
+<p:sld xmlns:a="http://schemas.openxmlformats.org/drawingml/2006/main" xmlns:r="http://schemas.openxmlformats.org/officeDocument/2006/relationships" xmlns:p="http://schemas.openxmlformats.org/presentationml/2006/main">
+  <p:cSld>
+    <p:spTree>
+      <p:nvGrpSpPr>
+        <p:cNvPr id="1" name=""/>
+        <p:cNvGrpSpPr/>
+        <p:nvPr/>
+      </p:nvGrpSpPr>
+      <p:grpSpPr>
+        <a:xfrm>
+          <a:off x="0" y="0"/>
+          <a:ext cx="0" cy="0"/>
+          <a:chOff x="0" y="0"/>
+          <a:chExt cx="0" cy="0"/>
+        </a:xfrm>
+      </p:grpSpPr>
+      <p:sp>
+        <p:nvSpPr>
+          <p:cNvPr id="2" name="Title 1"/>
+          <p:cNvSpPr>
+            <a:spLocks noGrp="1"/>
+          </p:cNvSpPr>
+          <p:nvPr>
+            <p:ph type="title"/>
+          </p:nvPr>
+        </p:nvSpPr>
+        <p:spPr/>
+        <p:txBody>
+          <a:bodyPr/>
+          <a:lstStyle/>
+          <a:p>
+            <a:r>
+              <a:rPr lang="en-US" dirty="0"/>
+              <a:t>Analysis</a:t>
+            </a:r>
+          </a:p>
+        </p:txBody>
+      </p:sp>
+      <p:sp>
+        <p:nvSpPr>
+          <p:cNvPr id="3" name="Content Placeholder 2">
+            <a:extLst>
+              <a:ext uri="{FF2B5EF4-FFF2-40B4-BE49-F238E27FC236}">
+                <a16:creationId xmlns:a16="http://schemas.microsoft.com/office/drawing/2014/main" id="{B13CE81A-D7D0-A446-B930-6AE7322E5D2A}"/>
+              </a:ext>
+            </a:extLst>
+          </p:cNvPr>
+          <p:cNvSpPr>
+            <a:spLocks noGrp="1"/>
+          </p:cNvSpPr>
+          <p:nvPr>
+            <p:ph idx="1"/>
+          </p:nvPr>
+        </p:nvSpPr>
+        <p:spPr/>
+        <p:txBody>
+          <a:bodyPr/>
+          <a:lstStyle/>
+          <a:p>
+            <a:pPr marL="0" indent="0" algn="ctr">
+              <a:buNone/>
+            </a:pPr>
+            <a:endParaRPr lang="en-US" dirty="0"/>
+          </a:p>
+          <a:p>
+            <a:pPr marL="0" indent="0">
+              <a:buNone/>
+            </a:pPr>
+            <a:endParaRPr lang="en-US" dirty="0"/>
+          </a:p>
+          <a:p>
+            <a:pPr marL="0" indent="0">
+              <a:buNone/>
+            </a:pPr>
+            <a:endParaRPr lang="en-US" dirty="0"/>
+          </a:p>
+          <a:p>
+            <a:pPr marL="0" indent="0">
+              <a:buNone/>
+            </a:pPr>
+            <a:endParaRPr lang="en-US" dirty="0"/>
+          </a:p>
+        </p:txBody>
+      </p:sp>
+      <p:pic>
+        <p:nvPicPr>
+          <p:cNvPr id="5" name="Picture 4">
+            <a:extLst>
+              <a:ext uri="{FF2B5EF4-FFF2-40B4-BE49-F238E27FC236}">
+                <a16:creationId xmlns:a16="http://schemas.microsoft.com/office/drawing/2014/main" id="{7FAF4BB7-6532-BC46-9476-F8125862851B}"/>
+              </a:ext>
+            </a:extLst>
+          </p:cNvPr>
+          <p:cNvPicPr>
+            <a:picLocks noChangeAspect="1"/>
+          </p:cNvPicPr>
+          <p:nvPr/>
+        </p:nvPicPr>
+        <p:blipFill>
+          <a:blip r:embed="rId2">
+            <a:extLst>
+              <a:ext uri="{28A0092B-C50C-407E-A947-70E740481C1C}">
+                <a14:useLocalDpi xmlns:a14="http://schemas.microsoft.com/office/drawing/2010/main" val="0"/>
+              </a:ext>
+            </a:extLst>
+          </a:blip>
+          <a:stretch>
+            <a:fillRect/>
+          </a:stretch>
+        </p:blipFill>
+        <p:spPr>
+          <a:xfrm>
+            <a:off x="7931453" y="1747832"/>
+            <a:ext cx="3204633" cy="5140104"/>
+          </a:xfrm>
+          <a:prstGeom prst="rect">
+            <a:avLst/>
+          </a:prstGeom>
+        </p:spPr>
+      </p:pic>
+      <p:pic>
+        <p:nvPicPr>
+          <p:cNvPr id="7" name="Picture 6">
+            <a:extLst>
+              <a:ext uri="{FF2B5EF4-FFF2-40B4-BE49-F238E27FC236}">
+                <a16:creationId xmlns:a16="http://schemas.microsoft.com/office/drawing/2014/main" id="{590921DA-5FF0-FC4C-A2C7-620FFAFF8C37}"/>
+              </a:ext>
+            </a:extLst>
+          </p:cNvPr>
+          <p:cNvPicPr>
+            <a:picLocks noChangeAspect="1"/>
+          </p:cNvPicPr>
+          <p:nvPr/>
+        </p:nvPicPr>
+        <p:blipFill>
+          <a:blip r:embed="rId3">
+            <a:extLst>
+              <a:ext uri="{28A0092B-C50C-407E-A947-70E740481C1C}">
+                <a14:useLocalDpi xmlns:a14="http://schemas.microsoft.com/office/drawing/2010/main" val="0"/>
+              </a:ext>
+            </a:extLst>
+          </a:blip>
+          <a:stretch>
+            <a:fillRect/>
+          </a:stretch>
+        </p:blipFill>
+        <p:spPr>
+          <a:xfrm>
+            <a:off x="1447800" y="2329517"/>
+            <a:ext cx="4260547" cy="2396558"/>
+          </a:xfrm>
+          <a:prstGeom prst="rect">
+            <a:avLst/>
+          </a:prstGeom>
+        </p:spPr>
+      </p:pic>
+      <p:sp>
+        <p:nvSpPr>
+          <p:cNvPr id="8" name="TextBox 7">
+            <a:extLst>
+              <a:ext uri="{FF2B5EF4-FFF2-40B4-BE49-F238E27FC236}">
+                <a16:creationId xmlns:a16="http://schemas.microsoft.com/office/drawing/2014/main" id="{25C5E6AC-2038-7047-965B-0AF592152445}"/>
+              </a:ext>
+            </a:extLst>
+          </p:cNvPr>
+          <p:cNvSpPr txBox="1"/>
+          <p:nvPr/>
+        </p:nvSpPr>
+        <p:spPr>
+          <a:xfrm>
+            <a:off x="2133600" y="5073133"/>
+            <a:ext cx="2667000" cy="369332"/>
+          </a:xfrm>
+          <a:prstGeom prst="rect">
+            <a:avLst/>
+          </a:prstGeom>
+          <a:noFill/>
+        </p:spPr>
+        <p:txBody>
+          <a:bodyPr wrap="square" rtlCol="0">
+            <a:spAutoFit/>
+          </a:bodyPr>
+          <a:lstStyle/>
+          <a:p>
+            <a:r>
+              <a:rPr lang="en-US" dirty="0"/>
+              <a:t>0.9998924599865974</a:t>
+            </a:r>
+          </a:p>
+        </p:txBody>
+      </p:sp>
+    </p:spTree>
+    <p:extLst>
+      <p:ext uri="{BB962C8B-B14F-4D97-AF65-F5344CB8AC3E}">
+        <p14:creationId xmlns:p14="http://schemas.microsoft.com/office/powerpoint/2010/main" val="1928620899"/>
       </p:ext>
     </p:extLst>
   </p:cSld>
@@ -5466,8 +5573,44 @@
         </p:blipFill>
         <p:spPr>
           <a:xfrm>
-            <a:off x="8026400" y="1971040"/>
-            <a:ext cx="3441700" cy="2362200"/>
+            <a:off x="6693022" y="1551953"/>
+            <a:ext cx="3974978" cy="2781288"/>
+          </a:xfrm>
+          <a:prstGeom prst="rect">
+            <a:avLst/>
+          </a:prstGeom>
+        </p:spPr>
+      </p:pic>
+      <p:pic>
+        <p:nvPicPr>
+          <p:cNvPr id="4" name="Picture 3">
+            <a:extLst>
+              <a:ext uri="{FF2B5EF4-FFF2-40B4-BE49-F238E27FC236}">
+                <a16:creationId xmlns:a16="http://schemas.microsoft.com/office/drawing/2014/main" id="{AEDFBB81-0C48-2247-9080-8ABC927C17A8}"/>
+              </a:ext>
+            </a:extLst>
+          </p:cNvPr>
+          <p:cNvPicPr>
+            <a:picLocks noChangeAspect="1"/>
+          </p:cNvPicPr>
+          <p:nvPr/>
+        </p:nvPicPr>
+        <p:blipFill>
+          <a:blip r:embed="rId6">
+            <a:extLst>
+              <a:ext uri="{28A0092B-C50C-407E-A947-70E740481C1C}">
+                <a14:useLocalDpi xmlns:a14="http://schemas.microsoft.com/office/drawing/2010/main" val="0"/>
+              </a:ext>
+            </a:extLst>
+          </a:blip>
+          <a:stretch>
+            <a:fillRect/>
+          </a:stretch>
+        </p:blipFill>
+        <p:spPr>
+          <a:xfrm>
+            <a:off x="2927894" y="1551951"/>
+            <a:ext cx="2571267" cy="2781288"/>
           </a:xfrm>
           <a:prstGeom prst="rect">
             <a:avLst/>
